--- a/training-cards/agile moves/Tomatoes (TOM)/ger/journeyman/ger_TOM_09_Aufdrehen_fertig_los_AM_Journeyman.pptx
+++ b/training-cards/agile moves/Tomatoes (TOM)/ger/journeyman/ger_TOM_09_Aufdrehen_fertig_los_AM_Journeyman.pptx
@@ -110,7 +110,7 @@
   </p:defaultTextStyle>
   <p:extLst>
     <p:ext uri="{EFAFB233-063F-42B5-8137-9DF3F51BA10A}">
-      <p15:sldGuideLst xmlns:p15="http://schemas.microsoft.com/office/powerpoint/2012/main">
+      <p15:sldGuideLst xmlns:p15="http://schemas.microsoft.com/office/powerpoint/2012/main" xmlns="">
         <p15:guide id="1" orient="horz" pos="1103">
           <p15:clr>
             <a:srgbClr val="A4A3A4"/>
@@ -209,7 +209,7 @@
           <a:p>
             <a:fld id="{B0CB8B2F-27AE-FC42-9F9A-56AAD34EAFDA}" type="datetimeFigureOut">
               <a:rPr lang="de-DE" smtClean="0"/>
-              <a:t>15.08.15</a:t>
+              <a:t>25.10.15</a:t>
             </a:fld>
             <a:endParaRPr lang="de-DE"/>
           </a:p>
@@ -1178,7 +1178,7 @@
           <a:p>
             <a:fld id="{FF5B2BAF-DF38-0A48-A798-0C06E514FD52}" type="datetimeFigureOut">
               <a:rPr lang="de-DE" smtClean="0"/>
-              <a:t>15.08.15</a:t>
+              <a:t>25.10.15</a:t>
             </a:fld>
             <a:endParaRPr lang="de-DE" dirty="0"/>
           </a:p>
@@ -1448,7 +1448,7 @@
           <a:p>
             <a:fld id="{FF5B2BAF-DF38-0A48-A798-0C06E514FD52}" type="datetimeFigureOut">
               <a:rPr lang="de-DE" smtClean="0"/>
-              <a:t>15.08.15</a:t>
+              <a:t>25.10.15</a:t>
             </a:fld>
             <a:endParaRPr lang="de-DE" dirty="0"/>
           </a:p>
@@ -2064,7 +2064,12 @@
             <p:ph type="ctrTitle"/>
           </p:nvPr>
         </p:nvSpPr>
-        <p:spPr/>
+        <p:spPr>
+          <a:xfrm>
+            <a:off x="1166813" y="868584"/>
+            <a:ext cx="4612406" cy="461665"/>
+          </a:xfrm>
+        </p:spPr>
         <p:txBody>
           <a:bodyPr/>
           <a:lstStyle/>
@@ -2072,13 +2077,27 @@
             <a:r>
               <a:rPr lang="de-DE" dirty="0" smtClean="0"/>
               <a:t>AUFDREHEN </a:t>
+            </a:r>
+            <a:r>
+              <a:rPr lang="de-DE" dirty="0">
+                <a:latin typeface="Avenir Light"/>
+                <a:cs typeface="Avenir Light"/>
+              </a:rPr>
+              <a:t>-</a:t>
             </a:r>
             <a:r>
               <a:rPr lang="de-DE" dirty="0" smtClean="0">
                 <a:latin typeface="Avenir Light"/>
                 <a:cs typeface="Avenir Light"/>
               </a:rPr>
-              <a:t>– FERTIG - LOS</a:t>
+              <a:t> </a:t>
+            </a:r>
+            <a:r>
+              <a:rPr lang="de-DE" dirty="0" smtClean="0">
+                <a:latin typeface="Avenir Light"/>
+                <a:cs typeface="Avenir Light"/>
+              </a:rPr>
+              <a:t>FERTIG - LOS</a:t>
             </a:r>
             <a:endParaRPr lang="de-DE" dirty="0">
               <a:latin typeface="Avenir Light"/>
@@ -2098,6 +2117,10 @@
           </p:nvPr>
         </p:nvSpPr>
         <p:spPr>
+          <a:xfrm>
+            <a:off x="1166813" y="1227822"/>
+            <a:ext cx="5293995" cy="462329"/>
+          </a:xfrm>
           <a:noFill/>
         </p:spPr>
         <p:txBody>
@@ -2127,12 +2150,68 @@
               <a:t>Silke </a:t>
             </a:r>
             <a:r>
-              <a:rPr lang="de-DE" sz="1000" cap="all" dirty="0" err="1">
+              <a:rPr lang="de-DE" sz="1000" cap="all" dirty="0" err="1" smtClean="0">
                 <a:solidFill>
                   <a:srgbClr val="5D5E5F"/>
                 </a:solidFill>
               </a:rPr>
               <a:t>Kainzbauer</a:t>
+            </a:r>
+            <a:r>
+              <a:rPr lang="de-DE" sz="1000" cap="all" dirty="0">
+                <a:solidFill>
+                  <a:srgbClr val="5D5E5F"/>
+                </a:solidFill>
+              </a:rPr>
+              <a:t> &amp;</a:t>
+            </a:r>
+            <a:r>
+              <a:rPr lang="de-DE" sz="1000" cap="all" dirty="0" smtClean="0">
+                <a:solidFill>
+                  <a:srgbClr val="5D5E5F"/>
+                </a:solidFill>
+              </a:rPr>
+              <a:t> Regina Brandhuber, </a:t>
+            </a:r>
+            <a:r>
+              <a:rPr lang="de-DE" sz="1000" dirty="0" smtClean="0">
+                <a:solidFill>
+                  <a:srgbClr val="5D5E5F"/>
+                </a:solidFill>
+              </a:rPr>
+              <a:t>zuletzt geändert am </a:t>
+            </a:r>
+            <a:r>
+              <a:rPr lang="de-DE" sz="1000" cap="all" dirty="0" smtClean="0">
+                <a:solidFill>
+                  <a:srgbClr val="5D5E5F"/>
+                </a:solidFill>
+              </a:rPr>
+              <a:t>25. </a:t>
+            </a:r>
+            <a:r>
+              <a:rPr lang="de-DE" sz="1000" dirty="0">
+                <a:solidFill>
+                  <a:srgbClr val="5D5E5F"/>
+                </a:solidFill>
+              </a:rPr>
+              <a:t>O</a:t>
+            </a:r>
+            <a:r>
+              <a:rPr lang="de-DE" sz="1000" dirty="0" smtClean="0">
+                <a:solidFill>
+                  <a:srgbClr val="5D5E5F"/>
+                </a:solidFill>
+              </a:rPr>
+              <a:t>ktober </a:t>
+            </a:r>
+            <a:r>
+              <a:rPr lang="de-DE" sz="1000" cap="all" dirty="0" smtClean="0">
+                <a:solidFill>
+                  <a:srgbClr val="5D5E5F"/>
+                </a:solidFill>
+              </a:rPr>
+              <a:t>2015</a:t>
             </a:r>
             <a:endParaRPr lang="de-DE" sz="1000" cap="all" dirty="0">
               <a:solidFill>
@@ -2152,7 +2231,12 @@
             <p:ph idx="13"/>
           </p:nvPr>
         </p:nvSpPr>
-        <p:spPr/>
+        <p:spPr>
+          <a:xfrm>
+            <a:off x="858838" y="1873222"/>
+            <a:ext cx="6011545" cy="3133835"/>
+          </a:xfrm>
+        </p:spPr>
         <p:txBody>
           <a:bodyPr>
             <a:noAutofit/>
@@ -2165,7 +2249,7 @@
               </a:spcBef>
             </a:pPr>
             <a:r>
-              <a:rPr lang="de-DE" sz="1200" dirty="0"/>
+              <a:rPr lang="de-DE" dirty="0"/>
               <a:t>Bevor Du diese Karte trainierst, solltest Du ein Zertifikat für TOM 01 haben. Diese Karte baut darauf auf.</a:t>
             </a:r>
           </a:p>
@@ -2176,39 +2260,39 @@
               </a:spcBef>
             </a:pPr>
             <a:r>
-              <a:rPr lang="de-DE" sz="1200" dirty="0" smtClean="0"/>
+              <a:rPr lang="de-DE" dirty="0" smtClean="0"/>
               <a:t>Die </a:t>
             </a:r>
             <a:r>
-              <a:rPr lang="de-DE" sz="1200" dirty="0" err="1"/>
+              <a:rPr lang="de-DE" dirty="0" err="1"/>
               <a:t>Pomodoro</a:t>
             </a:r>
             <a:r>
-              <a:rPr lang="de-DE" sz="1200" dirty="0"/>
+              <a:rPr lang="de-DE" dirty="0"/>
               <a:t> </a:t>
             </a:r>
             <a:r>
-              <a:rPr lang="de-DE" sz="1200" dirty="0" err="1"/>
+              <a:rPr lang="de-DE" dirty="0" err="1"/>
               <a:t>Technique</a:t>
             </a:r>
             <a:r>
-              <a:rPr lang="de-DE" sz="1200" dirty="0"/>
+              <a:rPr lang="de-DE" dirty="0"/>
               <a:t>® </a:t>
             </a:r>
             <a:r>
-              <a:rPr lang="de-DE" sz="1200" baseline="30000" dirty="0"/>
+              <a:rPr lang="de-DE" baseline="30000" dirty="0"/>
               <a:t>1</a:t>
             </a:r>
             <a:r>
-              <a:rPr lang="de-DE" sz="1200" dirty="0"/>
+              <a:rPr lang="de-DE" dirty="0"/>
               <a:t>  ist ein Zeitmanagementwerkzeug, das von Francesco </a:t>
             </a:r>
             <a:r>
-              <a:rPr lang="de-DE" sz="1200" dirty="0" err="1"/>
+              <a:rPr lang="de-DE" dirty="0" err="1"/>
               <a:t>Cirillo</a:t>
             </a:r>
             <a:r>
-              <a:rPr lang="de-DE" sz="1200" dirty="0"/>
+              <a:rPr lang="de-DE" dirty="0"/>
               <a:t> erfunden wurde. Es kann Dir dabei helfen, konzentrierter und zielgerichteter zu arbeiten.</a:t>
             </a:r>
           </a:p>
@@ -2219,15 +2303,15 @@
               </a:spcBef>
             </a:pPr>
             <a:r>
-              <a:rPr lang="de-DE" sz="1200" dirty="0"/>
+              <a:rPr lang="de-DE" dirty="0"/>
               <a:t>Du arbeitest in exakten Zeitfenstern: z.B. 25 Minuten mit 5 Minuten Pause. </a:t>
             </a:r>
             <a:r>
-              <a:rPr lang="de-DE" sz="1200" dirty="0" err="1"/>
+              <a:rPr lang="de-DE" dirty="0" err="1"/>
               <a:t>Cirillio</a:t>
             </a:r>
             <a:r>
-              <a:rPr lang="de-DE" sz="1200" dirty="0"/>
+              <a:rPr lang="de-DE" dirty="0"/>
               <a:t> nennt diese Zeitspanne "Tomate", nach den gängigen Eieruhren in Tomatenform.</a:t>
             </a:r>
           </a:p>
@@ -2238,15 +2322,15 @@
               </a:spcBef>
             </a:pPr>
             <a:r>
-              <a:rPr lang="de-DE" sz="1200" dirty="0"/>
+              <a:rPr lang="de-DE" dirty="0"/>
               <a:t>Die Zeit wird mit einem </a:t>
             </a:r>
             <a:r>
-              <a:rPr lang="de-DE" sz="1200" dirty="0" err="1"/>
+              <a:rPr lang="de-DE" dirty="0" err="1"/>
               <a:t>Timer</a:t>
             </a:r>
             <a:r>
-              <a:rPr lang="de-DE" sz="1200" dirty="0"/>
+              <a:rPr lang="de-DE" dirty="0"/>
               <a:t> heruntergezählt und sollte nach Möglichkeit nicht unterbrochen werden.</a:t>
             </a:r>
           </a:p>
@@ -2257,7 +2341,7 @@
               </a:spcBef>
             </a:pPr>
             <a:r>
-              <a:rPr lang="de-DE" sz="1200" dirty="0"/>
+              <a:rPr lang="de-DE" dirty="0"/>
               <a:t>Zeit, die Du in Tomaten einteilst, nimmst Du möglicherweise anders wahr. Fokussiere jede Tomate auf ein bestimmtes Thema.</a:t>
             </a:r>
           </a:p>
@@ -2268,7 +2352,7 @@
               </a:spcBef>
             </a:pPr>
             <a:r>
-              <a:rPr lang="de-DE" sz="1200" dirty="0"/>
+              <a:rPr lang="de-DE" dirty="0"/>
               <a:t>Das Ziel der Tomate bestimmst Du vorher und nach Ablauf reflektierst Du das Ergebnis und Deine Zufriedenheit.</a:t>
             </a:r>
           </a:p>
@@ -2279,14 +2363,14 @@
               </a:spcBef>
             </a:pPr>
             <a:r>
-              <a:rPr lang="de-DE" sz="1200" dirty="0"/>
+              <a:rPr lang="de-DE" dirty="0"/>
               <a:t>Die Pausen zwischen den Tomaten helfen Dir die Konzentration und Motivation über eine längere Zeitspanne aufrecht zu erhalten</a:t>
             </a:r>
             <a:r>
-              <a:rPr lang="de-DE" sz="1200" dirty="0" smtClean="0"/>
+              <a:rPr lang="de-DE" dirty="0" smtClean="0"/>
               <a:t>.</a:t>
             </a:r>
-            <a:endParaRPr lang="de-DE" sz="1200" dirty="0"/>
+            <a:endParaRPr lang="de-DE" dirty="0"/>
           </a:p>
         </p:txBody>
       </p:sp>
@@ -2300,7 +2384,7 @@
         </p:nvSpPr>
         <p:spPr>
           <a:xfrm>
-            <a:off x="5434816" y="4848174"/>
+            <a:off x="5434816" y="5047008"/>
             <a:ext cx="1775894" cy="283817"/>
           </a:xfrm>
           <a:prstGeom prst="rect">
@@ -2497,7 +2581,7 @@
         </p:blipFill>
         <p:spPr>
           <a:xfrm>
-            <a:off x="6265357" y="4121782"/>
+            <a:off x="5909757" y="3586092"/>
             <a:ext cx="905256" cy="896112"/>
           </a:xfrm>
           <a:prstGeom prst="rect">
@@ -2523,7 +2607,7 @@
         </p:spPr>
         <p:txBody>
           <a:bodyPr>
-            <a:normAutofit fontScale="85000" lnSpcReduction="20000"/>
+            <a:normAutofit fontScale="85000" lnSpcReduction="10000"/>
           </a:bodyPr>
           <a:lstStyle/>
           <a:p>
@@ -2537,15 +2621,15 @@
             </a:pPr>
             <a:r>
               <a:rPr lang="de-DE" sz="1200" dirty="0" smtClean="0"/>
-              <a:t>Nun variierst Du den Move, um ein noch besseres Gefühl für Deine Tomaten zu bekommen und immer genauere Vorhersagen </a:t>
+              <a:t>Mache </a:t>
             </a:r>
             <a:r>
               <a:rPr lang="de-DE" sz="1200" dirty="0" smtClean="0"/>
-              <a:t>machen </a:t>
-            </a:r>
-            <a:r>
-              <a:rPr lang="de-DE" sz="1200" dirty="0" smtClean="0"/>
-              <a:t>zu können.</a:t>
+              <a:t>zwei Wochen lang die Variante 1 und zwei Wochen lang die Variante 2 und dokumentiere wie bisher zu </a:t>
+            </a:r>
+            <a:r>
+              <a:rPr lang="de-DE" sz="1200" dirty="0"/>
+              <a:t>jeder Tomate vorher Deine Ziele und nachher Deine Erfahrungen und Ergebnisse.</a:t>
             </a:r>
           </a:p>
           <a:p>
@@ -2559,32 +2643,48 @@
             </a:pPr>
             <a:r>
               <a:rPr lang="de-DE" sz="1200" dirty="0" smtClean="0"/>
-              <a:t>Mache </a:t>
-            </a:r>
+              <a:t>Variante 1: </a:t>
+            </a:r>
+          </a:p>
+          <a:p>
+            <a:pPr lvl="1">
+              <a:lnSpc>
+                <a:spcPct val="120000"/>
+              </a:lnSpc>
+              <a:spcBef>
+                <a:spcPts val="800"/>
+              </a:spcBef>
+            </a:pPr>
             <a:r>
               <a:rPr lang="de-DE" sz="1200" dirty="0" smtClean="0"/>
-              <a:t>zwei Wochen </a:t>
-            </a:r>
+              <a:t>Mache 15 Tomaten an mindestens acht verschiedenen Tagen innerhalb der zwei Wochen.</a:t>
+            </a:r>
+          </a:p>
+          <a:p>
+            <a:pPr lvl="1">
+              <a:lnSpc>
+                <a:spcPct val="120000"/>
+              </a:lnSpc>
+              <a:spcBef>
+                <a:spcPts val="800"/>
+              </a:spcBef>
+            </a:pPr>
             <a:r>
               <a:rPr lang="de-DE" sz="1200" dirty="0" smtClean="0"/>
-              <a:t>lang die Variante 1 und </a:t>
-            </a:r>
-            <a:r>
+              <a:t>Du dokumentierst vor der Tomate nicht nur das Ziel, sondern auch die Schritte dorthin: </a:t>
+            </a:r>
+            <a:br>
               <a:rPr lang="de-DE" sz="1200" dirty="0" smtClean="0"/>
-              <a:t>zwei </a:t>
-            </a:r>
+            </a:br>
             <a:r>
               <a:rPr lang="de-DE" sz="1200" dirty="0" smtClean="0"/>
-              <a:t>Wochen </a:t>
-            </a:r>
-            <a:r>
-              <a:rPr lang="de-DE" sz="1200" dirty="0" smtClean="0"/>
-              <a:t>lang die Variante 2 und dokumentiere wie bisher zu </a:t>
+              <a:t>Welche kleinen Schritte brauchst Du, um das Tomatenziel zu </a:t>
             </a:r>
             <a:r>
               <a:rPr lang="de-DE" sz="1200" dirty="0"/>
-              <a:t>jeder Tomate vorher Deine Ziele und nachher Deine Erfahrungen und Ergebnisse.</a:t>
-            </a:r>
+              <a:t>erreichen? </a:t>
+            </a:r>
+            <a:endParaRPr lang="de-DE" sz="1200" dirty="0" smtClean="0"/>
           </a:p>
           <a:p>
             <a:pPr>
@@ -2597,7 +2697,7 @@
             </a:pPr>
             <a:r>
               <a:rPr lang="de-DE" sz="1200" dirty="0" smtClean="0"/>
-              <a:t>Variante 1: </a:t>
+              <a:t>Variante 2: </a:t>
             </a:r>
           </a:p>
           <a:p>
@@ -2610,14 +2710,17 @@
               </a:spcBef>
             </a:pPr>
             <a:r>
+              <a:rPr lang="de-DE" sz="1200" dirty="0"/>
+              <a:t>Mache 15 Tomaten an mindestens </a:t>
+            </a:r>
+            <a:r>
               <a:rPr lang="de-DE" sz="1200" dirty="0" smtClean="0"/>
-              <a:t>Mache </a:t>
-            </a:r>
-            <a:r>
-              <a:rPr lang="de-DE" sz="1200" dirty="0" smtClean="0"/>
-              <a:t>15 Tomaten an mindestens acht verschiedenen Tagen innerhalb der zwei Wochen.</a:t>
-            </a:r>
-            <a:endParaRPr lang="de-DE" sz="1200" dirty="0" smtClean="0"/>
+              <a:t>acht </a:t>
+            </a:r>
+            <a:r>
+              <a:rPr lang="de-DE" sz="1200" dirty="0"/>
+              <a:t>verschiedenen Tagen innerhalb der zwei Wochen.</a:t>
+            </a:r>
           </a:p>
           <a:p>
             <a:pPr lvl="1">
@@ -2630,84 +2733,6 @@
             </a:pPr>
             <a:r>
               <a:rPr lang="de-DE" sz="1200" dirty="0" smtClean="0"/>
-              <a:t>Du dokumentierst vor der Tomate nicht nur das Ziel, sondern auch die Schritte dorthin</a:t>
-            </a:r>
-            <a:r>
-              <a:rPr lang="de-DE" sz="1200" smtClean="0"/>
-              <a:t>: </a:t>
-            </a:r>
-            <a:r>
-              <a:rPr lang="de-DE" sz="1200" smtClean="0"/>
-              <a:t/>
-            </a:r>
-            <a:br>
-              <a:rPr lang="de-DE" sz="1200" smtClean="0"/>
-            </a:br>
-            <a:r>
-              <a:rPr lang="de-DE" sz="1200" smtClean="0"/>
-              <a:t>Welche </a:t>
-            </a:r>
-            <a:r>
-              <a:rPr lang="de-DE" sz="1200" dirty="0" smtClean="0"/>
-              <a:t>kleinen Schritte brauchst Du, um das Tomatenziel zu </a:t>
-            </a:r>
-            <a:r>
-              <a:rPr lang="de-DE" sz="1200" dirty="0"/>
-              <a:t>erreichen? </a:t>
-            </a:r>
-            <a:endParaRPr lang="de-DE" sz="1200" dirty="0" smtClean="0"/>
-          </a:p>
-          <a:p>
-            <a:pPr>
-              <a:lnSpc>
-                <a:spcPct val="120000"/>
-              </a:lnSpc>
-              <a:spcBef>
-                <a:spcPts val="800"/>
-              </a:spcBef>
-            </a:pPr>
-            <a:r>
-              <a:rPr lang="de-DE" sz="1200" dirty="0" smtClean="0"/>
-              <a:t>Variante 2: </a:t>
-            </a:r>
-          </a:p>
-          <a:p>
-            <a:pPr lvl="1">
-              <a:lnSpc>
-                <a:spcPct val="120000"/>
-              </a:lnSpc>
-              <a:spcBef>
-                <a:spcPts val="800"/>
-              </a:spcBef>
-            </a:pPr>
-            <a:r>
-              <a:rPr lang="de-DE" sz="1200" dirty="0"/>
-              <a:t>Mache </a:t>
-            </a:r>
-            <a:r>
-              <a:rPr lang="de-DE" sz="1200" dirty="0"/>
-              <a:t>15 Tomaten an mindestens </a:t>
-            </a:r>
-            <a:r>
-              <a:rPr lang="de-DE" sz="1200" dirty="0" smtClean="0"/>
-              <a:t>acht </a:t>
-            </a:r>
-            <a:r>
-              <a:rPr lang="de-DE" sz="1200" dirty="0"/>
-              <a:t>verschiedenen Tagen innerhalb der zwei Wochen.</a:t>
-            </a:r>
-          </a:p>
-          <a:p>
-            <a:pPr lvl="1">
-              <a:lnSpc>
-                <a:spcPct val="120000"/>
-              </a:lnSpc>
-              <a:spcBef>
-                <a:spcPts val="800"/>
-              </a:spcBef>
-            </a:pPr>
-            <a:r>
-              <a:rPr lang="de-DE" sz="1200" dirty="0" smtClean="0"/>
               <a:t>Wieviel </a:t>
             </a:r>
             <a:r>
@@ -2721,10 +2746,6 @@
             <a:r>
               <a:rPr lang="de-DE" sz="1200" dirty="0"/>
               <a:t>Du Dir vorgenommen hast, hast Du erreicht? </a:t>
-            </a:r>
-            <a:r>
-              <a:rPr lang="de-DE" sz="1200" dirty="0" smtClean="0"/>
-              <a:t>Ergänze Deine Tomaten-Dokumentation um diese Prozentangabe.</a:t>
             </a:r>
             <a:r>
               <a:rPr lang="de-DE" sz="1200" dirty="0" smtClean="0"/>
@@ -2735,22 +2756,26 @@
             </a:br>
             <a:r>
               <a:rPr lang="de-DE" sz="1200" dirty="0" smtClean="0"/>
-              <a:t>Das </a:t>
-            </a:r>
-            <a:r>
-              <a:rPr lang="de-DE" sz="1200" dirty="0"/>
-              <a:t>Ziel ist, möglichst genau einschätzen zu können, was </a:t>
+              <a:t>Ergänze </a:t>
             </a:r>
             <a:r>
               <a:rPr lang="de-DE" sz="1200" dirty="0" smtClean="0"/>
-              <a:t>Du in einer Tomate schaffst. </a:t>
+              <a:t>Deine Tomaten-Dokumentation um diese Prozentangabe.</a:t>
             </a:r>
             <a:br>
               <a:rPr lang="de-DE" sz="1200" dirty="0" smtClean="0"/>
             </a:br>
             <a:r>
               <a:rPr lang="de-DE" sz="1200" dirty="0" smtClean="0"/>
-              <a:t>Auch wenn Du mehr geschafft hast, als vorhergesagt, ist das eine Abweichung von </a:t>
+              <a:t>Das </a:t>
+            </a:r>
+            <a:r>
+              <a:rPr lang="de-DE" sz="1200" dirty="0"/>
+              <a:t>Ziel ist, möglichst genau einschätzen zu können, was </a:t>
+            </a:r>
+            <a:r>
+              <a:rPr lang="de-DE" sz="1200" dirty="0" smtClean="0"/>
+              <a:t>Du in </a:t>
             </a:r>
             <a:r>
               <a:rPr lang="de-DE" sz="1200" dirty="0" smtClean="0"/>
@@ -2761,15 +2786,57 @@
             </a:br>
             <a:r>
               <a:rPr lang="de-DE" sz="1200" dirty="0" smtClean="0"/>
+              <a:t>einer </a:t>
+            </a:r>
+            <a:r>
+              <a:rPr lang="de-DE" sz="1200" dirty="0" smtClean="0"/>
+              <a:t>Tomate schaffst. </a:t>
+            </a:r>
+            <a:r>
+              <a:rPr lang="de-DE" sz="1200" dirty="0" smtClean="0"/>
+              <a:t>Auch </a:t>
+            </a:r>
+            <a:r>
+              <a:rPr lang="de-DE" sz="1200" dirty="0" smtClean="0"/>
+              <a:t>wenn Du mehr geschafft hast, als vorhergesagt</a:t>
+            </a:r>
+            <a:r>
+              <a:rPr lang="de-DE" sz="1200" dirty="0" smtClean="0"/>
+              <a:t>,</a:t>
+            </a:r>
+            <a:br>
+              <a:rPr lang="de-DE" sz="1200" dirty="0" smtClean="0"/>
+            </a:br>
+            <a:r>
+              <a:rPr lang="de-DE" sz="1200" dirty="0" smtClean="0"/>
+              <a:t>ist </a:t>
+            </a:r>
+            <a:r>
+              <a:rPr lang="de-DE" sz="1200" dirty="0" smtClean="0"/>
+              <a:t>das eine Abweichung von </a:t>
+            </a:r>
+            <a:r>
+              <a:rPr lang="de-DE" sz="1200" dirty="0" smtClean="0"/>
               <a:t>Deinen </a:t>
             </a:r>
             <a:r>
               <a:rPr lang="de-DE" sz="1200" dirty="0" smtClean="0"/>
-              <a:t>Vorhersagen, genau wie wenn Du Dir zu viel vorgenommen hast</a:t>
+              <a:t>Vorhersagen, genau wie wenn </a:t>
             </a:r>
             <a:r>
               <a:rPr lang="de-DE" sz="1200" dirty="0" smtClean="0"/>
-              <a:t>. </a:t>
+              <a:t>Du</a:t>
+            </a:r>
+            <a:br>
+              <a:rPr lang="de-DE" sz="1200" dirty="0" smtClean="0"/>
+            </a:br>
+            <a:r>
+              <a:rPr lang="de-DE" sz="1200" dirty="0" smtClean="0"/>
+              <a:t>Dir </a:t>
+            </a:r>
+            <a:r>
+              <a:rPr lang="de-DE" sz="1200" dirty="0" smtClean="0"/>
+              <a:t>zu viel vorgenommen hast. </a:t>
             </a:r>
             <a:endParaRPr lang="de-DE" sz="1200" dirty="0"/>
           </a:p>
@@ -2778,6 +2845,110 @@
           </a:p>
         </p:txBody>
       </p:sp>
+      <p:sp>
+        <p:nvSpPr>
+          <p:cNvPr id="4" name="Shape 7"/>
+          <p:cNvSpPr/>
+          <p:nvPr/>
+        </p:nvSpPr>
+        <p:spPr>
+          <a:xfrm>
+            <a:off x="1869543" y="4952581"/>
+            <a:ext cx="3823764" cy="294639"/>
+          </a:xfrm>
+          <a:prstGeom prst="rect">
+            <a:avLst/>
+          </a:prstGeom>
+          <a:ln w="12700">
+            <a:miter lim="400000"/>
+          </a:ln>
+          <a:extLst>
+            <a:ext uri="{C572A759-6A51-4108-AA02-DFA0A04FC94B}">
+              <ma14:wrappingTextBoxFlag xmlns:ma14="http://schemas.microsoft.com/office/mac/drawingml/2011/main" val="1"/>
+            </a:ext>
+          </a:extLst>
+        </p:spPr>
+        <p:txBody>
+          <a:bodyPr wrap="none" lIns="45718" tIns="45718" rIns="45718" bIns="45718">
+            <a:spAutoFit/>
+          </a:bodyPr>
+          <a:lstStyle/>
+          <a:p>
+            <a:pPr lvl="0" algn="ctr">
+              <a:defRPr sz="1800"/>
+            </a:pPr>
+            <a:r>
+              <a:rPr sz="600" dirty="0">
+                <a:latin typeface="Calibri"/>
+                <a:ea typeface="Calibri"/>
+                <a:cs typeface="Calibri"/>
+                <a:sym typeface="Calibri"/>
+              </a:rPr>
+              <a:t>This work is licensed under the Creative Commons Attribution-NonCommercial-NoDerivatives 4.0 International License. </a:t>
+            </a:r>
+          </a:p>
+          <a:p>
+            <a:pPr lvl="0" algn="ctr">
+              <a:defRPr sz="1800"/>
+            </a:pPr>
+            <a:r>
+              <a:rPr sz="600" dirty="0">
+                <a:latin typeface="Calibri"/>
+                <a:ea typeface="Calibri"/>
+                <a:cs typeface="Calibri"/>
+                <a:sym typeface="Calibri"/>
+              </a:rPr>
+              <a:t>To view a copy of this license, visit </a:t>
+            </a:r>
+            <a:r>
+              <a:rPr sz="600" dirty="0">
+                <a:latin typeface="Calibri"/>
+                <a:ea typeface="Calibri"/>
+                <a:cs typeface="Calibri"/>
+                <a:sym typeface="Calibri"/>
+                <a:hlinkClick r:id="rId3"/>
+              </a:rPr>
+              <a:t>http://creativecommons.org/licenses/by-nc-nd/4.0/</a:t>
+            </a:r>
+            <a:r>
+              <a:rPr sz="600" dirty="0">
+                <a:latin typeface="Calibri"/>
+                <a:ea typeface="Calibri"/>
+                <a:cs typeface="Calibri"/>
+                <a:sym typeface="Calibri"/>
+              </a:rPr>
+              <a:t>.</a:t>
+            </a:r>
+          </a:p>
+        </p:txBody>
+      </p:sp>
+      <p:pic>
+        <p:nvPicPr>
+          <p:cNvPr id="5" name="pasted-image.tif"/>
+          <p:cNvPicPr/>
+          <p:nvPr/>
+        </p:nvPicPr>
+        <p:blipFill>
+          <a:blip r:embed="rId4">
+            <a:extLst/>
+          </a:blip>
+          <a:stretch>
+            <a:fillRect/>
+          </a:stretch>
+        </p:blipFill>
+        <p:spPr>
+          <a:xfrm>
+            <a:off x="6174185" y="4992838"/>
+            <a:ext cx="886619" cy="214128"/>
+          </a:xfrm>
+          <a:prstGeom prst="rect">
+            <a:avLst/>
+          </a:prstGeom>
+          <a:ln w="12700">
+            <a:miter lim="400000"/>
+          </a:ln>
+        </p:spPr>
+      </p:pic>
     </p:spTree>
     <p:extLst>
       <p:ext uri="{BB962C8B-B14F-4D97-AF65-F5344CB8AC3E}">
